--- a/Document/KLTN_Script.pptx
+++ b/Document/KLTN_Script.pptx
@@ -230,7 +230,7 @@
           <a:p>
             <a:fld id="{D7D2F2ED-417D-4C55-9244-71C90C626A6B}" type="datetimeFigureOut">
               <a:rPr lang="en-US" smtClean="0"/>
-              <a:t>06/22/2022</a:t>
+              <a:t>06/24/2022</a:t>
             </a:fld>
             <a:endParaRPr lang="en-US"/>
           </a:p>
@@ -629,7 +629,7 @@
           <a:p>
             <a:fld id="{79E7092D-ABE8-4A92-A2D8-26C45BE58E6B}" type="datetime1">
               <a:rPr lang="en-US" smtClean="0"/>
-              <a:t>06/22/2022</a:t>
+              <a:t>06/24/2022</a:t>
             </a:fld>
             <a:endParaRPr lang="en-US"/>
           </a:p>
@@ -799,7 +799,7 @@
           <a:p>
             <a:fld id="{5AC52212-B641-41D1-BC80-2070522737FD}" type="datetime1">
               <a:rPr lang="en-US" smtClean="0"/>
-              <a:t>06/22/2022</a:t>
+              <a:t>06/24/2022</a:t>
             </a:fld>
             <a:endParaRPr lang="en-US"/>
           </a:p>
@@ -979,7 +979,7 @@
           <a:p>
             <a:fld id="{ECC5A104-1363-4760-A1D2-B368CACB101B}" type="datetime1">
               <a:rPr lang="en-US" smtClean="0"/>
-              <a:t>06/22/2022</a:t>
+              <a:t>06/24/2022</a:t>
             </a:fld>
             <a:endParaRPr lang="en-US"/>
           </a:p>
@@ -1149,7 +1149,7 @@
           <a:p>
             <a:fld id="{FA7F7FEC-3338-4D63-99AF-018031BDE1A5}" type="datetime1">
               <a:rPr lang="en-US" smtClean="0"/>
-              <a:t>06/22/2022</a:t>
+              <a:t>06/24/2022</a:t>
             </a:fld>
             <a:endParaRPr lang="en-US"/>
           </a:p>
@@ -1395,7 +1395,7 @@
           <a:p>
             <a:fld id="{5D929B41-011D-4C56-969B-B8191C8D7184}" type="datetime1">
               <a:rPr lang="en-US" smtClean="0"/>
-              <a:t>06/22/2022</a:t>
+              <a:t>06/24/2022</a:t>
             </a:fld>
             <a:endParaRPr lang="en-US"/>
           </a:p>
@@ -1627,7 +1627,7 @@
           <a:p>
             <a:fld id="{8AF23832-A300-4196-8114-DF55302CC49A}" type="datetime1">
               <a:rPr lang="en-US" smtClean="0"/>
-              <a:t>06/22/2022</a:t>
+              <a:t>06/24/2022</a:t>
             </a:fld>
             <a:endParaRPr lang="en-US"/>
           </a:p>
@@ -1994,7 +1994,7 @@
           <a:p>
             <a:fld id="{B9238254-B488-499F-AC1E-EFEFDB35DE00}" type="datetime1">
               <a:rPr lang="en-US" smtClean="0"/>
-              <a:t>06/22/2022</a:t>
+              <a:t>06/24/2022</a:t>
             </a:fld>
             <a:endParaRPr lang="en-US"/>
           </a:p>
@@ -2112,7 +2112,7 @@
           <a:p>
             <a:fld id="{1D1DF93E-90B7-4E86-82EE-0E0DAA386289}" type="datetime1">
               <a:rPr lang="en-US" smtClean="0"/>
-              <a:t>06/22/2022</a:t>
+              <a:t>06/24/2022</a:t>
             </a:fld>
             <a:endParaRPr lang="en-US"/>
           </a:p>
@@ -2207,7 +2207,7 @@
           <a:p>
             <a:fld id="{59395C07-4D95-4808-9C95-5E579400E17F}" type="datetime1">
               <a:rPr lang="en-US" smtClean="0"/>
-              <a:t>06/22/2022</a:t>
+              <a:t>06/24/2022</a:t>
             </a:fld>
             <a:endParaRPr lang="en-US"/>
           </a:p>
@@ -2484,7 +2484,7 @@
           <a:p>
             <a:fld id="{897C2665-3654-4B27-944E-46237B6CFDAB}" type="datetime1">
               <a:rPr lang="en-US" smtClean="0"/>
-              <a:t>06/22/2022</a:t>
+              <a:t>06/24/2022</a:t>
             </a:fld>
             <a:endParaRPr lang="en-US"/>
           </a:p>
@@ -2737,7 +2737,7 @@
           <a:p>
             <a:fld id="{10C22F1D-955C-4CB1-A0BB-0E983D345EA2}" type="datetime1">
               <a:rPr lang="en-US" smtClean="0"/>
-              <a:t>06/22/2022</a:t>
+              <a:t>06/24/2022</a:t>
             </a:fld>
             <a:endParaRPr lang="en-US"/>
           </a:p>
@@ -2950,7 +2950,7 @@
           <a:p>
             <a:fld id="{59AE675E-C326-4852-8025-97B2D7AA96BF}" type="datetime1">
               <a:rPr lang="en-US" smtClean="0"/>
-              <a:t>06/22/2022</a:t>
+              <a:t>06/24/2022</a:t>
             </a:fld>
             <a:endParaRPr lang="en-US"/>
           </a:p>
@@ -8966,7 +8966,7 @@
         <p:spPr>
           <a:xfrm>
             <a:off x="222070" y="244929"/>
-            <a:ext cx="11678194" cy="2308324"/>
+            <a:ext cx="11678194" cy="3416320"/>
           </a:xfrm>
           <a:prstGeom prst="rect">
             <a:avLst/>
@@ -8980,8 +8980,18 @@
           <a:lstStyle/>
           <a:p>
             <a:r>
+              <a:rPr lang="en-US" sz="3600" smtClean="0"/>
+              <a:t>Kính chào quý thầy cô, em xin trình bày tiếp về phép chiếu và những phần sau.</a:t>
+            </a:r>
+          </a:p>
+          <a:p>
+            <a:r>
+              <a:rPr lang="en-US" sz="3600" smtClean="0"/>
+              <a:t>Đối </a:t>
+            </a:r>
+            <a:r>
               <a:rPr lang="en-US" sz="3600" dirty="0" smtClean="0"/>
-              <a:t>Đối với phép chiếu</a:t>
+              <a:t>với phép chiếu</a:t>
             </a:r>
           </a:p>
           <a:p>
@@ -10587,27 +10597,7 @@
           <a:p>
             <a:r>
               <a:rPr lang="en-US" sz="3200" dirty="0" smtClean="0"/>
-              <a:t>- Lớp xử lý, lớp thực hiện các chức năng của mô hình bao </a:t>
-            </a:r>
-            <a:r>
-              <a:rPr lang="en-US" sz="3200" dirty="0" smtClean="0"/>
-              <a:t>gồm</a:t>
-            </a:r>
-            <a:r>
-              <a:rPr lang="en-US" sz="3200" dirty="0" smtClean="0"/>
-              <a:t> </a:t>
-            </a:r>
-            <a:r>
-              <a:rPr lang="en-US" sz="3200" dirty="0" smtClean="0"/>
-              <a:t>thực </a:t>
-            </a:r>
-            <a:r>
-              <a:rPr lang="en-US" sz="3200" dirty="0" smtClean="0"/>
-              <a:t>hiện: </a:t>
-            </a:r>
-            <a:r>
-              <a:rPr lang="en-US" sz="3200" dirty="0" smtClean="0"/>
-              <a:t>định nghĩa bộ ba xác suất, xử lý dữ liệu, thực thi truy vấn.</a:t>
+              <a:t>- Lớp xử lý, lớp thực hiện các chức năng của mô hình bao gồm thực hiện: định nghĩa bộ ba xác suất, xử lý dữ liệu, thực thi truy vấn.</a:t>
             </a:r>
           </a:p>
           <a:p>
@@ -12291,11 +12281,7 @@
             </a:r>
             <a:r>
               <a:rPr lang="en-US" sz="3600" smtClean="0"/>
-              <a:t>về </a:t>
-            </a:r>
-            <a:r>
-              <a:rPr lang="en-US" sz="3600" smtClean="0"/>
-              <a:t>hệ quản trị của </a:t>
+              <a:t>về hệ quản trị của </a:t>
             </a:r>
             <a:r>
               <a:rPr lang="en-US" sz="3600" dirty="0" smtClean="0"/>
